--- a/Using_R_CHPC.pptx
+++ b/Using_R_CHPC.pptx
@@ -270,7 +270,7 @@
           <a:p>
             <a:fld id="{3AE11A57-48AB-524B-8983-18A254FEB5A1}" type="datetimeFigureOut">
               <a:rPr lang="en-US" smtClean="0"/>
-              <a:t>3/28/23</a:t>
+              <a:t>8/2/23</a:t>
             </a:fld>
             <a:endParaRPr lang="en-US"/>
           </a:p>
@@ -468,7 +468,7 @@
           <a:p>
             <a:fld id="{3AE11A57-48AB-524B-8983-18A254FEB5A1}" type="datetimeFigureOut">
               <a:rPr lang="en-US" smtClean="0"/>
-              <a:t>3/28/23</a:t>
+              <a:t>8/2/23</a:t>
             </a:fld>
             <a:endParaRPr lang="en-US"/>
           </a:p>
@@ -676,7 +676,7 @@
           <a:p>
             <a:fld id="{3AE11A57-48AB-524B-8983-18A254FEB5A1}" type="datetimeFigureOut">
               <a:rPr lang="en-US" smtClean="0"/>
-              <a:t>3/28/23</a:t>
+              <a:t>8/2/23</a:t>
             </a:fld>
             <a:endParaRPr lang="en-US"/>
           </a:p>
@@ -874,7 +874,7 @@
           <a:p>
             <a:fld id="{3AE11A57-48AB-524B-8983-18A254FEB5A1}" type="datetimeFigureOut">
               <a:rPr lang="en-US" smtClean="0"/>
-              <a:t>3/28/23</a:t>
+              <a:t>8/2/23</a:t>
             </a:fld>
             <a:endParaRPr lang="en-US"/>
           </a:p>
@@ -1149,7 +1149,7 @@
           <a:p>
             <a:fld id="{3AE11A57-48AB-524B-8983-18A254FEB5A1}" type="datetimeFigureOut">
               <a:rPr lang="en-US" smtClean="0"/>
-              <a:t>3/28/23</a:t>
+              <a:t>8/2/23</a:t>
             </a:fld>
             <a:endParaRPr lang="en-US"/>
           </a:p>
@@ -1414,7 +1414,7 @@
           <a:p>
             <a:fld id="{3AE11A57-48AB-524B-8983-18A254FEB5A1}" type="datetimeFigureOut">
               <a:rPr lang="en-US" smtClean="0"/>
-              <a:t>3/28/23</a:t>
+              <a:t>8/2/23</a:t>
             </a:fld>
             <a:endParaRPr lang="en-US"/>
           </a:p>
@@ -1826,7 +1826,7 @@
           <a:p>
             <a:fld id="{3AE11A57-48AB-524B-8983-18A254FEB5A1}" type="datetimeFigureOut">
               <a:rPr lang="en-US" smtClean="0"/>
-              <a:t>3/28/23</a:t>
+              <a:t>8/2/23</a:t>
             </a:fld>
             <a:endParaRPr lang="en-US"/>
           </a:p>
@@ -1967,7 +1967,7 @@
           <a:p>
             <a:fld id="{3AE11A57-48AB-524B-8983-18A254FEB5A1}" type="datetimeFigureOut">
               <a:rPr lang="en-US" smtClean="0"/>
-              <a:t>3/28/23</a:t>
+              <a:t>8/2/23</a:t>
             </a:fld>
             <a:endParaRPr lang="en-US"/>
           </a:p>
@@ -2080,7 +2080,7 @@
           <a:p>
             <a:fld id="{3AE11A57-48AB-524B-8983-18A254FEB5A1}" type="datetimeFigureOut">
               <a:rPr lang="en-US" smtClean="0"/>
-              <a:t>3/28/23</a:t>
+              <a:t>8/2/23</a:t>
             </a:fld>
             <a:endParaRPr lang="en-US"/>
           </a:p>
@@ -2391,7 +2391,7 @@
           <a:p>
             <a:fld id="{3AE11A57-48AB-524B-8983-18A254FEB5A1}" type="datetimeFigureOut">
               <a:rPr lang="en-US" smtClean="0"/>
-              <a:t>3/28/23</a:t>
+              <a:t>8/2/23</a:t>
             </a:fld>
             <a:endParaRPr lang="en-US"/>
           </a:p>
@@ -2679,7 +2679,7 @@
           <a:p>
             <a:fld id="{3AE11A57-48AB-524B-8983-18A254FEB5A1}" type="datetimeFigureOut">
               <a:rPr lang="en-US" smtClean="0"/>
-              <a:t>3/28/23</a:t>
+              <a:t>8/2/23</a:t>
             </a:fld>
             <a:endParaRPr lang="en-US"/>
           </a:p>
@@ -2920,7 +2920,7 @@
           <a:p>
             <a:fld id="{3AE11A57-48AB-524B-8983-18A254FEB5A1}" type="datetimeFigureOut">
               <a:rPr lang="en-US" smtClean="0"/>
-              <a:t>3/28/23</a:t>
+              <a:t>8/2/23</a:t>
             </a:fld>
             <a:endParaRPr lang="en-US"/>
           </a:p>
@@ -3387,22 +3387,26 @@
           <a:lstStyle/>
           <a:p>
             <a:r>
-              <a:rPr lang="en-US"/>
-              <a:t>Brett Milash and Anita Orendt</a:t>
-            </a:r>
-          </a:p>
-          <a:p>
-            <a:r>
-              <a:rPr lang="en-US"/>
+              <a:rPr lang="en-US" dirty="0"/>
+              <a:t>Brett Milash and Anita </a:t>
+            </a:r>
+            <a:r>
+              <a:rPr lang="en-US" dirty="0" err="1"/>
+              <a:t>Orendt</a:t>
+            </a:r>
+            <a:endParaRPr lang="en-US" dirty="0"/>
+          </a:p>
+          <a:p>
+            <a:r>
+              <a:rPr lang="en-US" dirty="0"/>
               <a:t>Center for High Performance Computing</a:t>
             </a:r>
           </a:p>
           <a:p>
             <a:r>
-              <a:rPr lang="en-US"/>
-              <a:t>03/28/2023</a:t>
-            </a:r>
-            <a:endParaRPr lang="en-US" dirty="0"/>
+              <a:rPr lang="en-US" dirty="0"/>
+              <a:t>08/03/2023</a:t>
+            </a:r>
           </a:p>
         </p:txBody>
       </p:sp>
@@ -4864,7 +4868,7 @@
           <a:p>
             <a:r>
               <a:rPr lang="en-US" dirty="0"/>
-              <a:t>R code for interactive vs batch jobs</a:t>
+              <a:t>Writing R code for interactive vs batch jobs</a:t>
             </a:r>
           </a:p>
         </p:txBody>
@@ -4946,7 +4950,7 @@
             <a:pPr lvl="1"/>
             <a:r>
               <a:rPr lang="en-US" dirty="0"/>
-              <a:t>Write lots of functions</a:t>
+              <a:t>Write lots of functions (potentially in a separate source code file)</a:t>
             </a:r>
           </a:p>
           <a:p>
